--- a/Vagrant-Ansible-Git_Learnathon.pptx
+++ b/Vagrant-Ansible-Git_Learnathon.pptx
@@ -9669,19 +9669,7 @@
           <a:p>
             <a:r>
               <a:rPr lang="en-US" sz="5400" dirty="0" smtClean="0"/>
-              <a:t>A quick </a:t>
-            </a:r>
-            <a:r>
-              <a:rPr lang="en-US" sz="5400" dirty="0" smtClean="0"/>
-              <a:t>introduction into the </a:t>
-            </a:r>
-            <a:r>
-              <a:rPr lang="en-US" sz="5400" dirty="0" smtClean="0"/>
-              <a:t>coolness of </a:t>
-            </a:r>
-            <a:r>
-              <a:rPr lang="en-US" sz="5400" dirty="0" smtClean="0"/>
-              <a:t>Vagrant, Ansible &amp; </a:t>
+              <a:t>A quick introduction into the coolness of Vagrant, Ansible &amp; </a:t>
             </a:r>
             <a:r>
               <a:rPr lang="en-US" sz="5400" dirty="0" err="1" smtClean="0"/>
@@ -9987,6 +9975,13 @@
   <p:clrMapOvr>
     <a:masterClrMapping/>
   </p:clrMapOvr>
+  <p:timing>
+    <p:tnLst>
+      <p:par>
+        <p:cTn id="1" dur="indefinite" restart="never" nodeType="tmRoot"/>
+      </p:par>
+    </p:tnLst>
+  </p:timing>
 </p:sld>
 </file>
 
@@ -10107,6 +10102,13 @@
   <p:clrMapOvr>
     <a:masterClrMapping/>
   </p:clrMapOvr>
+  <p:timing>
+    <p:tnLst>
+      <p:par>
+        <p:cTn id="1" dur="indefinite" restart="never" nodeType="tmRoot"/>
+      </p:par>
+    </p:tnLst>
+  </p:timing>
 </p:sld>
 </file>
 
@@ -10260,17 +10262,8 @@
           <a:p>
             <a:r>
               <a:rPr lang="en-US" dirty="0" smtClean="0"/>
-              <a:t>Set </a:t>
-            </a:r>
-            <a:r>
-              <a:rPr lang="en-US" dirty="0" smtClean="0"/>
-              <a:t>VM </a:t>
-            </a:r>
-            <a:r>
-              <a:rPr lang="en-US" dirty="0" smtClean="0"/>
-              <a:t>hostname</a:t>
-            </a:r>
-            <a:endParaRPr lang="en-US" dirty="0" smtClean="0"/>
+              <a:t>Set VM hostname</a:t>
+            </a:r>
           </a:p>
           <a:p>
             <a:pPr marL="357187" lvl="1" indent="0">
@@ -10487,6 +10480,13 @@
   <p:clrMapOvr>
     <a:masterClrMapping/>
   </p:clrMapOvr>
+  <p:timing>
+    <p:tnLst>
+      <p:par>
+        <p:cTn id="1" dur="indefinite" restart="never" nodeType="tmRoot"/>
+      </p:par>
+    </p:tnLst>
+  </p:timing>
 </p:sld>
 </file>
 
@@ -10529,11 +10529,7 @@
           <a:p>
             <a:r>
               <a:rPr lang="en-US" dirty="0" smtClean="0"/>
-              <a:t>Set provider specific </a:t>
-            </a:r>
-            <a:r>
-              <a:rPr lang="en-US" dirty="0" smtClean="0"/>
-              <a:t>options</a:t>
+              <a:t>Set provider specific options</a:t>
             </a:r>
           </a:p>
           <a:p>
@@ -10580,7 +10576,6 @@
               <a:rPr lang="en-US" sz="1800" dirty="0" smtClean="0"/>
               <a:t>”!</a:t>
             </a:r>
-            <a:endParaRPr lang="en-US" sz="1800" dirty="0" smtClean="0"/>
           </a:p>
           <a:p>
             <a:pPr marL="355600" lvl="1" indent="0">
@@ -10936,6 +10931,13 @@
   <p:clrMapOvr>
     <a:masterClrMapping/>
   </p:clrMapOvr>
+  <p:timing>
+    <p:tnLst>
+      <p:par>
+        <p:cTn id="1" dur="indefinite" restart="never" nodeType="tmRoot"/>
+      </p:par>
+    </p:tnLst>
+  </p:timing>
 </p:sld>
 </file>
 
@@ -11359,6 +11361,13 @@
   <p:clrMapOvr>
     <a:masterClrMapping/>
   </p:clrMapOvr>
+  <p:timing>
+    <p:tnLst>
+      <p:par>
+        <p:cTn id="1" dur="indefinite" restart="never" nodeType="tmRoot"/>
+      </p:par>
+    </p:tnLst>
+  </p:timing>
 </p:sld>
 </file>
 
@@ -11473,7 +11482,6 @@
               <a:rPr lang="en-US" dirty="0" smtClean="0"/>
               <a:t>guest</a:t>
             </a:r>
-            <a:endParaRPr lang="en-US" dirty="0" smtClean="0"/>
           </a:p>
           <a:p>
             <a:pPr marL="714375" lvl="2" indent="0">
@@ -11658,6 +11666,13 @@
   <p:clrMapOvr>
     <a:masterClrMapping/>
   </p:clrMapOvr>
+  <p:timing>
+    <p:tnLst>
+      <p:par>
+        <p:cTn id="1" dur="indefinite" restart="never" nodeType="tmRoot"/>
+      </p:par>
+    </p:tnLst>
+  </p:timing>
 </p:sld>
 </file>
 
@@ -11761,6 +11776,13 @@
   <p:clrMapOvr>
     <a:masterClrMapping/>
   </p:clrMapOvr>
+  <p:timing>
+    <p:tnLst>
+      <p:par>
+        <p:cTn id="1" dur="indefinite" restart="never" nodeType="tmRoot"/>
+      </p:par>
+    </p:tnLst>
+  </p:timing>
 </p:sld>
 </file>
 
@@ -11926,6 +11948,13 @@
   <p:clrMapOvr>
     <a:masterClrMapping/>
   </p:clrMapOvr>
+  <p:timing>
+    <p:tnLst>
+      <p:par>
+        <p:cTn id="1" dur="indefinite" restart="never" nodeType="tmRoot"/>
+      </p:par>
+    </p:tnLst>
+  </p:timing>
 </p:sld>
 </file>
 
@@ -11985,41 +12014,25 @@
               <a:rPr lang="en-US" dirty="0" smtClean="0"/>
               <a:t> on host but not totally necessary</a:t>
             </a:r>
-            <a:endParaRPr lang="en-US" dirty="0" smtClean="0"/>
           </a:p>
           <a:p>
             <a:r>
               <a:rPr lang="en-US" dirty="0" smtClean="0"/>
               <a:t>Playbooks</a:t>
             </a:r>
-            <a:endParaRPr lang="en-US" dirty="0" smtClean="0"/>
           </a:p>
           <a:p>
             <a:pPr lvl="1"/>
             <a:r>
               <a:rPr lang="en-US" dirty="0" smtClean="0"/>
-              <a:t>Text-based c</a:t>
-            </a:r>
-            <a:r>
-              <a:rPr lang="en-US" dirty="0" smtClean="0"/>
-              <a:t>ollections </a:t>
-            </a:r>
-            <a:r>
-              <a:rPr lang="en-US" dirty="0" smtClean="0"/>
-              <a:t>of </a:t>
-            </a:r>
-            <a:r>
-              <a:rPr lang="en-US" dirty="0" smtClean="0"/>
-              <a:t>tasks run top down</a:t>
-            </a:r>
-            <a:endParaRPr lang="en-US" dirty="0" smtClean="0"/>
+              <a:t>Text-based collections of tasks run top down</a:t>
+            </a:r>
           </a:p>
           <a:p>
             <a:r>
               <a:rPr lang="en-US" dirty="0" smtClean="0"/>
               <a:t>Plays</a:t>
             </a:r>
-            <a:endParaRPr lang="en-US" dirty="0" smtClean="0"/>
           </a:p>
           <a:p>
             <a:pPr lvl="1"/>
@@ -12098,11 +12111,7 @@
           <a:p>
             <a:r>
               <a:rPr lang="en-US" dirty="0" smtClean="0"/>
-              <a:t>Ansible </a:t>
-            </a:r>
-            <a:r>
-              <a:rPr lang="en-US" dirty="0" smtClean="0"/>
-              <a:t>Concepts</a:t>
+              <a:t>Ansible Concepts</a:t>
             </a:r>
             <a:endParaRPr lang="en-US" dirty="0"/>
           </a:p>
@@ -12118,6 +12127,13 @@
   <p:clrMapOvr>
     <a:masterClrMapping/>
   </p:clrMapOvr>
+  <p:timing>
+    <p:tnLst>
+      <p:par>
+        <p:cTn id="1" dur="indefinite" restart="never" nodeType="tmRoot"/>
+      </p:par>
+    </p:tnLst>
+  </p:timing>
 </p:sld>
 </file>
 
@@ -12307,6 +12323,13 @@
   <p:clrMapOvr>
     <a:masterClrMapping/>
   </p:clrMapOvr>
+  <p:timing>
+    <p:tnLst>
+      <p:par>
+        <p:cTn id="1" dur="indefinite" restart="never" nodeType="tmRoot"/>
+      </p:par>
+    </p:tnLst>
+  </p:timing>
 </p:sld>
 </file>
 
@@ -12413,32 +12436,15 @@
             <a:pPr lvl="1"/>
             <a:r>
               <a:rPr lang="en-US" dirty="0" smtClean="0"/>
-              <a:t>A </a:t>
-            </a:r>
-            <a:r>
-              <a:rPr lang="en-US" dirty="0" smtClean="0"/>
-              <a:t>highly scalable, distributed </a:t>
-            </a:r>
-            <a:r>
-              <a:rPr lang="en-US" dirty="0" smtClean="0"/>
-              <a:t>“code” repository and version control system</a:t>
+              <a:t>A highly scalable, distributed “code” repository and version control system</a:t>
             </a:r>
           </a:p>
           <a:p>
             <a:pPr lvl="1"/>
             <a:r>
               <a:rPr lang="en-US" dirty="0" smtClean="0"/>
-              <a:t>A great tool </a:t>
-            </a:r>
-            <a:r>
-              <a:rPr lang="en-US" dirty="0" smtClean="0"/>
-              <a:t>for sharing and </a:t>
-            </a:r>
-            <a:r>
-              <a:rPr lang="en-US" dirty="0" smtClean="0"/>
-              <a:t>collaborating</a:t>
-            </a:r>
-            <a:endParaRPr lang="en-US" dirty="0" smtClean="0"/>
+              <a:t>A great tool for sharing and collaborating</a:t>
+            </a:r>
           </a:p>
           <a:p>
             <a:pPr lvl="1"/>
@@ -13175,6 +13181,13 @@
   <p:clrMapOvr>
     <a:masterClrMapping/>
   </p:clrMapOvr>
+  <p:timing>
+    <p:tnLst>
+      <p:par>
+        <p:cTn id="1" dur="indefinite" restart="never" nodeType="tmRoot"/>
+      </p:par>
+    </p:tnLst>
+  </p:timing>
 </p:sld>
 </file>
 
@@ -13283,6 +13296,13 @@
   <p:clrMapOvr>
     <a:masterClrMapping/>
   </p:clrMapOvr>
+  <p:timing>
+    <p:tnLst>
+      <p:par>
+        <p:cTn id="1" dur="indefinite" restart="never" nodeType="tmRoot"/>
+      </p:par>
+    </p:tnLst>
+  </p:timing>
 </p:sld>
 </file>
 
@@ -13357,11 +13377,7 @@
           <a:p>
             <a:r>
               <a:rPr lang="en-US" dirty="0" smtClean="0"/>
-              <a:t>Playbook file is written in </a:t>
-            </a:r>
-            <a:r>
-              <a:rPr lang="en-US" dirty="0" smtClean="0"/>
-              <a:t>YAML</a:t>
+              <a:t>Playbook file is written in YAML</a:t>
             </a:r>
           </a:p>
           <a:p>
@@ -13412,6 +13428,13 @@
   <p:clrMapOvr>
     <a:masterClrMapping/>
   </p:clrMapOvr>
+  <p:timing>
+    <p:tnLst>
+      <p:par>
+        <p:cTn id="1" dur="indefinite" restart="never" nodeType="tmRoot"/>
+      </p:par>
+    </p:tnLst>
+  </p:timing>
 </p:sld>
 </file>
 
@@ -13633,6 +13656,13 @@
   <p:clrMapOvr>
     <a:masterClrMapping/>
   </p:clrMapOvr>
+  <p:timing>
+    <p:tnLst>
+      <p:par>
+        <p:cTn id="1" dur="indefinite" restart="never" nodeType="tmRoot"/>
+      </p:par>
+    </p:tnLst>
+  </p:timing>
 </p:sld>
 </file>
 
@@ -13821,6 +13851,13 @@
   <p:clrMapOvr>
     <a:masterClrMapping/>
   </p:clrMapOvr>
+  <p:timing>
+    <p:tnLst>
+      <p:par>
+        <p:cTn id="1" dur="indefinite" restart="never" nodeType="tmRoot"/>
+      </p:par>
+    </p:tnLst>
+  </p:timing>
 </p:sld>
 </file>
 
@@ -14056,6 +14093,13 @@
   <p:clrMapOvr>
     <a:masterClrMapping/>
   </p:clrMapOvr>
+  <p:timing>
+    <p:tnLst>
+      <p:par>
+        <p:cTn id="1" dur="indefinite" restart="never" nodeType="tmRoot"/>
+      </p:par>
+    </p:tnLst>
+  </p:timing>
 </p:sld>
 </file>
 
@@ -14167,6 +14211,13 @@
   <p:clrMapOvr>
     <a:masterClrMapping/>
   </p:clrMapOvr>
+  <p:timing>
+    <p:tnLst>
+      <p:par>
+        <p:cTn id="1" dur="indefinite" restart="never" nodeType="tmRoot"/>
+      </p:par>
+    </p:tnLst>
+  </p:timing>
 </p:sld>
 </file>
 
@@ -14282,6 +14333,13 @@
   <p:clrMapOvr>
     <a:masterClrMapping/>
   </p:clrMapOvr>
+  <p:timing>
+    <p:tnLst>
+      <p:par>
+        <p:cTn id="1" dur="indefinite" restart="never" nodeType="tmRoot"/>
+      </p:par>
+    </p:tnLst>
+  </p:timing>
 </p:sld>
 </file>
 
@@ -14719,6 +14777,13 @@
   <p:clrMapOvr>
     <a:masterClrMapping/>
   </p:clrMapOvr>
+  <p:timing>
+    <p:tnLst>
+      <p:par>
+        <p:cTn id="1" dur="indefinite" restart="never" nodeType="tmRoot"/>
+      </p:par>
+    </p:tnLst>
+  </p:timing>
 </p:sld>
 </file>
 
@@ -14830,6 +14895,13 @@
   <p:clrMapOvr>
     <a:masterClrMapping/>
   </p:clrMapOvr>
+  <p:timing>
+    <p:tnLst>
+      <p:par>
+        <p:cTn id="1" dur="indefinite" restart="never" nodeType="tmRoot"/>
+      </p:par>
+    </p:tnLst>
+  </p:timing>
 </p:sld>
 </file>
 
@@ -14966,6 +15038,13 @@
   <p:clrMapOvr>
     <a:masterClrMapping/>
   </p:clrMapOvr>
+  <p:timing>
+    <p:tnLst>
+      <p:par>
+        <p:cTn id="1" dur="indefinite" restart="never" nodeType="tmRoot"/>
+      </p:par>
+    </p:tnLst>
+  </p:timing>
 </p:sld>
 </file>
 
@@ -15075,7 +15154,7 @@
             </a:r>
             <a:r>
               <a:rPr lang="en-US" dirty="0" err="1" smtClean="0"/>
-              <a:t>test.yaml</a:t>
+              <a:t>test.yml</a:t>
             </a:r>
             <a:endParaRPr lang="en-US" dirty="0"/>
           </a:p>
@@ -15122,6 +15201,13 @@
   <p:clrMapOvr>
     <a:masterClrMapping/>
   </p:clrMapOvr>
+  <p:timing>
+    <p:tnLst>
+      <p:par>
+        <p:cTn id="1" dur="indefinite" restart="never" nodeType="tmRoot"/>
+      </p:par>
+    </p:tnLst>
+  </p:timing>
 </p:sld>
 </file>
 
@@ -15191,7 +15277,7 @@
           <a:graphicData uri="http://schemas.openxmlformats.org/presentationml/2006/ole">
             <mc:AlternateContent xmlns:mc="http://schemas.openxmlformats.org/markup-compatibility/2006">
               <mc:Choice xmlns:v="urn:schemas-microsoft-com:vml" Requires="v">
-                <p:oleObj spid="_x0000_s2065" name="Packager Shell Object" showAsIcon="1" r:id="rId4" imgW="1168560" imgH="685800" progId="Package">
+                <p:oleObj spid="_x0000_s2066" name="Packager Shell Object" showAsIcon="1" r:id="rId4" imgW="1168560" imgH="685800" progId="Package">
                   <p:embed/>
                 </p:oleObj>
               </mc:Choice>
@@ -15320,6 +15406,13 @@
   <p:clrMapOvr>
     <a:masterClrMapping/>
   </p:clrMapOvr>
+  <p:timing>
+    <p:tnLst>
+      <p:par>
+        <p:cTn id="1" dur="indefinite" restart="never" nodeType="tmRoot"/>
+      </p:par>
+    </p:tnLst>
+  </p:timing>
 </p:sld>
 </file>
 
@@ -15466,7 +15559,7 @@
           <a:graphicData uri="http://schemas.openxmlformats.org/presentationml/2006/ole">
             <mc:AlternateContent xmlns:mc="http://schemas.openxmlformats.org/markup-compatibility/2006">
               <mc:Choice xmlns:v="urn:schemas-microsoft-com:vml" Requires="v">
-                <p:oleObj spid="_x0000_s3092" name="Packager Shell Object" showAsIcon="1" r:id="rId4" imgW="698760" imgH="685800" progId="Package">
+                <p:oleObj spid="_x0000_s3093" name="Packager Shell Object" showAsIcon="1" r:id="rId4" imgW="698760" imgH="685800" progId="Package">
                   <p:embed/>
                 </p:oleObj>
               </mc:Choice>
@@ -15682,13 +15775,7 @@
               <a:rPr lang="en-US" dirty="0" smtClean="0">
                 <a:hlinkClick r:id="rId6"/>
               </a:rPr>
-              <a:t>http://</a:t>
-            </a:r>
-            <a:r>
-              <a:rPr lang="en-US" dirty="0" smtClean="0">
-                <a:hlinkClick r:id="rId6"/>
-              </a:rPr>
-              <a:t>docs.ansible.com/ansible/intro_installation.html</a:t>
+              <a:t>http://docs.ansible.com/ansible/intro_installation.html</a:t>
             </a:r>
             <a:endParaRPr lang="en-US" dirty="0" smtClean="0"/>
           </a:p>
@@ -16002,6 +16089,13 @@
   <p:clrMapOvr>
     <a:masterClrMapping/>
   </p:clrMapOvr>
+  <p:timing>
+    <p:tnLst>
+      <p:par>
+        <p:cTn id="1" dur="indefinite" restart="never" nodeType="tmRoot"/>
+      </p:par>
+    </p:tnLst>
+  </p:timing>
 </p:sld>
 </file>
 
@@ -16119,6 +16213,13 @@
   <p:clrMapOvr>
     <a:masterClrMapping/>
   </p:clrMapOvr>
+  <p:timing>
+    <p:tnLst>
+      <p:par>
+        <p:cTn id="1" dur="indefinite" restart="never" nodeType="tmRoot"/>
+      </p:par>
+    </p:tnLst>
+  </p:timing>
 </p:sld>
 </file>
 
@@ -16209,6 +16310,13 @@
   <p:clrMapOvr>
     <a:masterClrMapping/>
   </p:clrMapOvr>
+  <p:timing>
+    <p:tnLst>
+      <p:par>
+        <p:cTn id="1" dur="indefinite" restart="never" nodeType="tmRoot"/>
+      </p:par>
+    </p:tnLst>
+  </p:timing>
 </p:sld>
 </file>
 
@@ -16369,6 +16477,13 @@
   <p:clrMapOvr>
     <a:masterClrMapping/>
   </p:clrMapOvr>
+  <p:timing>
+    <p:tnLst>
+      <p:par>
+        <p:cTn id="1" dur="indefinite" restart="never" nodeType="tmRoot"/>
+      </p:par>
+    </p:tnLst>
+  </p:timing>
 </p:sld>
 </file>
 
@@ -16520,6 +16635,13 @@
   <p:clrMapOvr>
     <a:masterClrMapping/>
   </p:clrMapOvr>
+  <p:timing>
+    <p:tnLst>
+      <p:par>
+        <p:cTn id="1" dur="indefinite" restart="never" nodeType="tmRoot"/>
+      </p:par>
+    </p:tnLst>
+  </p:timing>
 </p:sld>
 </file>
 
@@ -16717,13 +16839,8 @@
             <a:pPr marL="341313" indent="-342900"/>
             <a:r>
               <a:rPr lang="en-US" dirty="0" smtClean="0"/>
-              <a:t>Connect to </a:t>
-            </a:r>
-            <a:r>
-              <a:rPr lang="en-US" dirty="0" smtClean="0"/>
-              <a:t>VM</a:t>
-            </a:r>
-            <a:endParaRPr lang="en-US" dirty="0" smtClean="0"/>
+              <a:t>Connect to VM</a:t>
+            </a:r>
           </a:p>
         </p:txBody>
       </p:sp>
@@ -16744,11 +16861,7 @@
           <a:p>
             <a:r>
               <a:rPr lang="en-US" dirty="0" smtClean="0"/>
-              <a:t>Vagrant </a:t>
-            </a:r>
-            <a:r>
-              <a:rPr lang="en-US" dirty="0" smtClean="0"/>
-              <a:t>Basic Workflow</a:t>
+              <a:t>Vagrant Basic Workflow</a:t>
             </a:r>
             <a:endParaRPr lang="en-US" dirty="0"/>
           </a:p>
@@ -16764,6 +16877,13 @@
   <p:clrMapOvr>
     <a:masterClrMapping/>
   </p:clrMapOvr>
+  <p:timing>
+    <p:tnLst>
+      <p:par>
+        <p:cTn id="1" dur="indefinite" restart="never" nodeType="tmRoot"/>
+      </p:par>
+    </p:tnLst>
+  </p:timing>
 </p:sld>
 </file>
 
